--- a/AISA CISSP - Cryptography.pptx
+++ b/AISA CISSP - Cryptography.pptx
@@ -14101,7 +14101,11 @@
             </a:pPr>
             <a:r>
               <a:rPr lang="en-AU" dirty="0" smtClean="0"/>
-              <a:t>2011 – Cryptography</a:t>
+              <a:t>2013 </a:t>
+            </a:r>
+            <a:r>
+              <a:rPr lang="en-AU" dirty="0" smtClean="0"/>
+              <a:t>– Cryptography</a:t>
             </a:r>
           </a:p>
           <a:p>
@@ -14111,7 +14115,15 @@
             </a:pPr>
             <a:r>
               <a:rPr lang="en-AU" sz="1600" dirty="0" smtClean="0"/>
-              <a:t>All content ©2010-11  Australian Information Security Association. </a:t>
+              <a:t>All content ©</a:t>
+            </a:r>
+            <a:r>
+              <a:rPr lang="en-AU" sz="1600" dirty="0" smtClean="0"/>
+              <a:t>2010-13  </a:t>
+            </a:r>
+            <a:r>
+              <a:rPr lang="en-AU" sz="1600" dirty="0" smtClean="0"/>
+              <a:t>Australian Information Security Association. </a:t>
             </a:r>
           </a:p>
           <a:p>
@@ -30901,11 +30913,7 @@
             <a:pPr lvl="1"/>
             <a:r>
               <a:rPr lang="en-AU" dirty="0" smtClean="0"/>
-              <a:t>Fire </a:t>
-            </a:r>
-            <a:r>
-              <a:rPr lang="en-AU" dirty="0" smtClean="0"/>
-              <a:t>Exits</a:t>
+              <a:t>Fire Exits</a:t>
             </a:r>
           </a:p>
           <a:p>
@@ -30919,13 +30927,8 @@
             <a:pPr eaLnBrk="1" hangingPunct="1"/>
             <a:r>
               <a:rPr lang="en-AU" dirty="0" smtClean="0"/>
-              <a:t>Mobile Phones (discrete</a:t>
-            </a:r>
-            <a:r>
-              <a:rPr lang="en-AU" dirty="0" smtClean="0"/>
-              <a:t>)</a:t>
-            </a:r>
-            <a:endParaRPr lang="en-AU" dirty="0" smtClean="0"/>
+              <a:t>Mobile Phones (discrete)</a:t>
+            </a:r>
           </a:p>
         </p:txBody>
       </p:sp>

--- a/AISA CISSP - Cryptography.pptx
+++ b/AISA CISSP - Cryptography.pptx
@@ -14101,11 +14101,7 @@
             </a:pPr>
             <a:r>
               <a:rPr lang="en-AU" dirty="0" smtClean="0"/>
-              <a:t>2013 </a:t>
-            </a:r>
-            <a:r>
-              <a:rPr lang="en-AU" dirty="0" smtClean="0"/>
-              <a:t>– Cryptography</a:t>
+              <a:t>2013 – Cryptography</a:t>
             </a:r>
           </a:p>
           <a:p>
@@ -14115,15 +14111,7 @@
             </a:pPr>
             <a:r>
               <a:rPr lang="en-AU" sz="1600" dirty="0" smtClean="0"/>
-              <a:t>All content ©</a:t>
-            </a:r>
-            <a:r>
-              <a:rPr lang="en-AU" sz="1600" dirty="0" smtClean="0"/>
-              <a:t>2010-13  </a:t>
-            </a:r>
-            <a:r>
-              <a:rPr lang="en-AU" sz="1600" dirty="0" smtClean="0"/>
-              <a:t>Australian Information Security Association. </a:t>
+              <a:t>All content ©2010-13  Australian Information Security Association. </a:t>
             </a:r>
           </a:p>
           <a:p>
@@ -30883,7 +30871,7 @@
             <a:prstTxWarp prst="textNoShape">
               <a:avLst/>
             </a:prstTxWarp>
-            <a:normAutofit/>
+            <a:normAutofit fontScale="92500" lnSpcReduction="20000"/>
           </a:bodyPr>
           <a:lstStyle/>
           <a:p>
@@ -30927,8 +30915,39 @@
             <a:pPr eaLnBrk="1" hangingPunct="1"/>
             <a:r>
               <a:rPr lang="en-AU" dirty="0" smtClean="0"/>
-              <a:t>Mobile Phones (discrete)</a:t>
-            </a:r>
+              <a:t>Mobile Phones (discrete</a:t>
+            </a:r>
+            <a:r>
+              <a:rPr lang="en-AU" dirty="0" smtClean="0"/>
+              <a:t>)</a:t>
+            </a:r>
+          </a:p>
+          <a:p>
+            <a:r>
+              <a:rPr lang="en-AU" smtClean="0"/>
+              <a:t>These slides </a:t>
+            </a:r>
+            <a:r>
+              <a:rPr lang="en-AU" dirty="0"/>
+              <a:t>available at </a:t>
+            </a:r>
+            <a:r>
+              <a:rPr lang="en-AU" dirty="0">
+                <a:hlinkClick r:id="rId4"/>
+              </a:rPr>
+              <a:t>https://github.com/anthonylangsworth/AISACISSP/blob/master/AISA%20CISSP%20-%</a:t>
+            </a:r>
+            <a:r>
+              <a:rPr lang="en-AU" dirty="0" smtClean="0">
+                <a:hlinkClick r:id="rId4"/>
+              </a:rPr>
+              <a:t>20Cryptography.pptx?raw=true</a:t>
+            </a:r>
+            <a:r>
+              <a:rPr lang="en-AU" dirty="0" smtClean="0"/>
+              <a:t> </a:t>
+            </a:r>
+            <a:endParaRPr lang="en-AU" dirty="0" smtClean="0"/>
           </a:p>
         </p:txBody>
       </p:sp>

--- a/AISA CISSP - Cryptography.pptx
+++ b/AISA CISSP - Cryptography.pptx
@@ -1617,6 +1617,554 @@
       <dsp:cNvGrpSpPr/>
     </dsp:nvGrpSpPr>
     <dsp:grpSpPr/>
+    <dsp:sp modelId="{DF6C31F1-C71D-8945-98A0-5DD2A83F4C80}">
+      <dsp:nvSpPr>
+        <dsp:cNvPr id="0" name=""/>
+        <dsp:cNvSpPr/>
+      </dsp:nvSpPr>
+      <dsp:spPr>
+        <a:xfrm>
+          <a:off x="1572844" y="-98070"/>
+          <a:ext cx="4335765" cy="4335765"/>
+        </a:xfrm>
+        <a:prstGeom prst="circularArrow">
+          <a:avLst>
+            <a:gd name="adj1" fmla="val 4668"/>
+            <a:gd name="adj2" fmla="val 272909"/>
+            <a:gd name="adj3" fmla="val 12922445"/>
+            <a:gd name="adj4" fmla="val 17969052"/>
+            <a:gd name="adj5" fmla="val 4847"/>
+          </a:avLst>
+        </a:prstGeom>
+        <a:solidFill>
+          <a:schemeClr val="accent2">
+            <a:tint val="40000"/>
+            <a:hueOff val="0"/>
+            <a:satOff val="0"/>
+            <a:lumOff val="0"/>
+            <a:alphaOff val="0"/>
+          </a:schemeClr>
+        </a:solidFill>
+        <a:ln>
+          <a:noFill/>
+        </a:ln>
+        <a:effectLst>
+          <a:outerShdw blurRad="40000" dist="23000" dir="5400000" rotWithShape="0">
+            <a:srgbClr val="000000">
+              <a:alpha val="35000"/>
+            </a:srgbClr>
+          </a:outerShdw>
+        </a:effectLst>
+      </dsp:spPr>
+      <dsp:style>
+        <a:lnRef idx="0">
+          <a:scrgbClr r="0" g="0" b="0"/>
+        </a:lnRef>
+        <a:fillRef idx="1">
+          <a:scrgbClr r="0" g="0" b="0"/>
+        </a:fillRef>
+        <a:effectRef idx="2">
+          <a:scrgbClr r="0" g="0" b="0"/>
+        </a:effectRef>
+        <a:fontRef idx="minor"/>
+      </dsp:style>
+    </dsp:sp>
+    <dsp:sp modelId="{4E158DC0-A6C7-0246-B6FD-5D77FDE183B3}">
+      <dsp:nvSpPr>
+        <dsp:cNvPr id="0" name=""/>
+        <dsp:cNvSpPr/>
+      </dsp:nvSpPr>
+      <dsp:spPr>
+        <a:xfrm>
+          <a:off x="2330648" y="1114"/>
+          <a:ext cx="2820157" cy="1410078"/>
+        </a:xfrm>
+        <a:prstGeom prst="roundRect">
+          <a:avLst/>
+        </a:prstGeom>
+        <a:gradFill rotWithShape="0">
+          <a:gsLst>
+            <a:gs pos="0">
+              <a:schemeClr val="accent2">
+                <a:shade val="80000"/>
+                <a:hueOff val="0"/>
+                <a:satOff val="0"/>
+                <a:lumOff val="0"/>
+                <a:alphaOff val="0"/>
+                <a:shade val="51000"/>
+                <a:satMod val="130000"/>
+              </a:schemeClr>
+            </a:gs>
+            <a:gs pos="80000">
+              <a:schemeClr val="accent2">
+                <a:shade val="80000"/>
+                <a:hueOff val="0"/>
+                <a:satOff val="0"/>
+                <a:lumOff val="0"/>
+                <a:alphaOff val="0"/>
+                <a:shade val="93000"/>
+                <a:satMod val="130000"/>
+              </a:schemeClr>
+            </a:gs>
+            <a:gs pos="100000">
+              <a:schemeClr val="accent2">
+                <a:shade val="80000"/>
+                <a:hueOff val="0"/>
+                <a:satOff val="0"/>
+                <a:lumOff val="0"/>
+                <a:alphaOff val="0"/>
+                <a:shade val="94000"/>
+                <a:satMod val="135000"/>
+              </a:schemeClr>
+            </a:gs>
+          </a:gsLst>
+          <a:lin ang="16200000" scaled="0"/>
+        </a:gradFill>
+        <a:ln>
+          <a:noFill/>
+        </a:ln>
+        <a:effectLst>
+          <a:outerShdw blurRad="40000" dist="23000" dir="5400000" rotWithShape="0">
+            <a:srgbClr val="000000">
+              <a:alpha val="35000"/>
+            </a:srgbClr>
+          </a:outerShdw>
+        </a:effectLst>
+      </dsp:spPr>
+      <dsp:style>
+        <a:lnRef idx="0">
+          <a:scrgbClr r="0" g="0" b="0"/>
+        </a:lnRef>
+        <a:fillRef idx="3">
+          <a:scrgbClr r="0" g="0" b="0"/>
+        </a:fillRef>
+        <a:effectRef idx="2">
+          <a:scrgbClr r="0" g="0" b="0"/>
+        </a:effectRef>
+        <a:fontRef idx="minor">
+          <a:schemeClr val="lt1"/>
+        </a:fontRef>
+      </dsp:style>
+      <dsp:txBody>
+        <a:bodyPr spcFirstLastPara="0" vert="horz" wrap="square" lIns="80010" tIns="80010" rIns="80010" bIns="80010" numCol="1" spcCol="1270" anchor="t" anchorCtr="0">
+          <a:noAutofit/>
+        </a:bodyPr>
+        <a:lstStyle/>
+        <a:p>
+          <a:pPr lvl="0" algn="l" defTabSz="933450" rtl="0">
+            <a:lnSpc>
+              <a:spcPct val="90000"/>
+            </a:lnSpc>
+            <a:spcBef>
+              <a:spcPct val="0"/>
+            </a:spcBef>
+            <a:spcAft>
+              <a:spcPct val="35000"/>
+            </a:spcAft>
+          </a:pPr>
+          <a:r>
+            <a:rPr lang="en-AU" sz="2100" kern="1200" dirty="0" smtClean="0"/>
+            <a:t>Generation</a:t>
+          </a:r>
+          <a:endParaRPr lang="en-AU" sz="2100" kern="1200" dirty="0"/>
+        </a:p>
+        <a:p>
+          <a:pPr marL="171450" lvl="1" indent="-171450" algn="l" defTabSz="711200" rtl="0">
+            <a:lnSpc>
+              <a:spcPct val="90000"/>
+            </a:lnSpc>
+            <a:spcBef>
+              <a:spcPct val="0"/>
+            </a:spcBef>
+            <a:spcAft>
+              <a:spcPct val="15000"/>
+            </a:spcAft>
+            <a:buChar char="••"/>
+          </a:pPr>
+          <a:r>
+            <a:rPr lang="en-AU" sz="1600" kern="1200" dirty="0" smtClean="0"/>
+            <a:t>Non-deterministic</a:t>
+          </a:r>
+          <a:endParaRPr lang="en-AU" sz="1600" kern="1200" dirty="0"/>
+        </a:p>
+        <a:p>
+          <a:pPr marL="171450" lvl="1" indent="-171450" algn="l" defTabSz="711200" rtl="0">
+            <a:lnSpc>
+              <a:spcPct val="90000"/>
+            </a:lnSpc>
+            <a:spcBef>
+              <a:spcPct val="0"/>
+            </a:spcBef>
+            <a:spcAft>
+              <a:spcPct val="15000"/>
+            </a:spcAft>
+            <a:buChar char="••"/>
+          </a:pPr>
+          <a:r>
+            <a:rPr lang="en-AU" sz="1600" kern="1200" dirty="0" smtClean="0"/>
+            <a:t>Ensure suitable (e.g. DES has weak keys)</a:t>
+          </a:r>
+          <a:endParaRPr lang="en-AU" sz="1600" kern="1200" dirty="0"/>
+        </a:p>
+      </dsp:txBody>
+      <dsp:txXfrm>
+        <a:off x="2399482" y="69948"/>
+        <a:ext cx="2682489" cy="1272410"/>
+      </dsp:txXfrm>
+    </dsp:sp>
+    <dsp:sp modelId="{4E48B0FF-F190-9A4F-A50D-9E6F022A4D55}">
+      <dsp:nvSpPr>
+        <dsp:cNvPr id="0" name=""/>
+        <dsp:cNvSpPr/>
+      </dsp:nvSpPr>
+      <dsp:spPr>
+        <a:xfrm>
+          <a:off x="3887476" y="1557942"/>
+          <a:ext cx="2820157" cy="1410078"/>
+        </a:xfrm>
+        <a:prstGeom prst="roundRect">
+          <a:avLst/>
+        </a:prstGeom>
+        <a:gradFill rotWithShape="0">
+          <a:gsLst>
+            <a:gs pos="0">
+              <a:schemeClr val="accent2">
+                <a:shade val="80000"/>
+                <a:hueOff val="-127231"/>
+                <a:satOff val="5670"/>
+                <a:lumOff val="7926"/>
+                <a:alphaOff val="0"/>
+                <a:shade val="51000"/>
+                <a:satMod val="130000"/>
+              </a:schemeClr>
+            </a:gs>
+            <a:gs pos="80000">
+              <a:schemeClr val="accent2">
+                <a:shade val="80000"/>
+                <a:hueOff val="-127231"/>
+                <a:satOff val="5670"/>
+                <a:lumOff val="7926"/>
+                <a:alphaOff val="0"/>
+                <a:shade val="93000"/>
+                <a:satMod val="130000"/>
+              </a:schemeClr>
+            </a:gs>
+            <a:gs pos="100000">
+              <a:schemeClr val="accent2">
+                <a:shade val="80000"/>
+                <a:hueOff val="-127231"/>
+                <a:satOff val="5670"/>
+                <a:lumOff val="7926"/>
+                <a:alphaOff val="0"/>
+                <a:shade val="94000"/>
+                <a:satMod val="135000"/>
+              </a:schemeClr>
+            </a:gs>
+          </a:gsLst>
+          <a:lin ang="16200000" scaled="0"/>
+        </a:gradFill>
+        <a:ln>
+          <a:noFill/>
+        </a:ln>
+        <a:effectLst>
+          <a:outerShdw blurRad="40000" dist="23000" dir="5400000" rotWithShape="0">
+            <a:srgbClr val="000000">
+              <a:alpha val="35000"/>
+            </a:srgbClr>
+          </a:outerShdw>
+        </a:effectLst>
+      </dsp:spPr>
+      <dsp:style>
+        <a:lnRef idx="0">
+          <a:scrgbClr r="0" g="0" b="0"/>
+        </a:lnRef>
+        <a:fillRef idx="3">
+          <a:scrgbClr r="0" g="0" b="0"/>
+        </a:fillRef>
+        <a:effectRef idx="2">
+          <a:scrgbClr r="0" g="0" b="0"/>
+        </a:effectRef>
+        <a:fontRef idx="minor">
+          <a:schemeClr val="lt1"/>
+        </a:fontRef>
+      </dsp:style>
+      <dsp:txBody>
+        <a:bodyPr spcFirstLastPara="0" vert="horz" wrap="square" lIns="80010" tIns="80010" rIns="80010" bIns="80010" numCol="1" spcCol="1270" anchor="ctr" anchorCtr="0">
+          <a:noAutofit/>
+        </a:bodyPr>
+        <a:lstStyle/>
+        <a:p>
+          <a:pPr lvl="0" algn="ctr" defTabSz="933450" rtl="0">
+            <a:lnSpc>
+              <a:spcPct val="90000"/>
+            </a:lnSpc>
+            <a:spcBef>
+              <a:spcPct val="0"/>
+            </a:spcBef>
+            <a:spcAft>
+              <a:spcPct val="35000"/>
+            </a:spcAft>
+          </a:pPr>
+          <a:r>
+            <a:rPr lang="en-AU" sz="2100" kern="1200" smtClean="0"/>
+            <a:t>Secure distribution</a:t>
+          </a:r>
+          <a:endParaRPr lang="en-AU" sz="2100" kern="1200"/>
+        </a:p>
+      </dsp:txBody>
+      <dsp:txXfrm>
+        <a:off x="3956310" y="1626776"/>
+        <a:ext cx="2682489" cy="1272410"/>
+      </dsp:txXfrm>
+    </dsp:sp>
+    <dsp:sp modelId="{86478C83-ED3A-6544-9F02-9F952A6FE842}">
+      <dsp:nvSpPr>
+        <dsp:cNvPr id="0" name=""/>
+        <dsp:cNvSpPr/>
+      </dsp:nvSpPr>
+      <dsp:spPr>
+        <a:xfrm>
+          <a:off x="2330648" y="3114769"/>
+          <a:ext cx="2820157" cy="1410078"/>
+        </a:xfrm>
+        <a:prstGeom prst="roundRect">
+          <a:avLst/>
+        </a:prstGeom>
+        <a:gradFill rotWithShape="0">
+          <a:gsLst>
+            <a:gs pos="0">
+              <a:schemeClr val="accent2">
+                <a:shade val="80000"/>
+                <a:hueOff val="-254461"/>
+                <a:satOff val="11339"/>
+                <a:lumOff val="15853"/>
+                <a:alphaOff val="0"/>
+                <a:shade val="51000"/>
+                <a:satMod val="130000"/>
+              </a:schemeClr>
+            </a:gs>
+            <a:gs pos="80000">
+              <a:schemeClr val="accent2">
+                <a:shade val="80000"/>
+                <a:hueOff val="-254461"/>
+                <a:satOff val="11339"/>
+                <a:lumOff val="15853"/>
+                <a:alphaOff val="0"/>
+                <a:shade val="93000"/>
+                <a:satMod val="130000"/>
+              </a:schemeClr>
+            </a:gs>
+            <a:gs pos="100000">
+              <a:schemeClr val="accent2">
+                <a:shade val="80000"/>
+                <a:hueOff val="-254461"/>
+                <a:satOff val="11339"/>
+                <a:lumOff val="15853"/>
+                <a:alphaOff val="0"/>
+                <a:shade val="94000"/>
+                <a:satMod val="135000"/>
+              </a:schemeClr>
+            </a:gs>
+          </a:gsLst>
+          <a:lin ang="16200000" scaled="0"/>
+        </a:gradFill>
+        <a:ln>
+          <a:noFill/>
+        </a:ln>
+        <a:effectLst>
+          <a:outerShdw blurRad="40000" dist="23000" dir="5400000" rotWithShape="0">
+            <a:srgbClr val="000000">
+              <a:alpha val="35000"/>
+            </a:srgbClr>
+          </a:outerShdw>
+        </a:effectLst>
+      </dsp:spPr>
+      <dsp:style>
+        <a:lnRef idx="0">
+          <a:scrgbClr r="0" g="0" b="0"/>
+        </a:lnRef>
+        <a:fillRef idx="3">
+          <a:scrgbClr r="0" g="0" b="0"/>
+        </a:fillRef>
+        <a:effectRef idx="2">
+          <a:scrgbClr r="0" g="0" b="0"/>
+        </a:effectRef>
+        <a:fontRef idx="minor">
+          <a:schemeClr val="lt1"/>
+        </a:fontRef>
+      </dsp:style>
+      <dsp:txBody>
+        <a:bodyPr spcFirstLastPara="0" vert="horz" wrap="square" lIns="80010" tIns="80010" rIns="80010" bIns="80010" numCol="1" spcCol="1270" anchor="t" anchorCtr="0">
+          <a:noAutofit/>
+        </a:bodyPr>
+        <a:lstStyle/>
+        <a:p>
+          <a:pPr lvl="0" algn="l" defTabSz="933450" rtl="0">
+            <a:lnSpc>
+              <a:spcPct val="90000"/>
+            </a:lnSpc>
+            <a:spcBef>
+              <a:spcPct val="0"/>
+            </a:spcBef>
+            <a:spcAft>
+              <a:spcPct val="35000"/>
+            </a:spcAft>
+          </a:pPr>
+          <a:r>
+            <a:rPr lang="en-AU" sz="2100" kern="1200" dirty="0" smtClean="0"/>
+            <a:t>Use</a:t>
+          </a:r>
+          <a:endParaRPr lang="en-AU" sz="2100" kern="1200" dirty="0"/>
+        </a:p>
+        <a:p>
+          <a:pPr marL="171450" lvl="1" indent="-171450" algn="l" defTabSz="711200" rtl="0">
+            <a:lnSpc>
+              <a:spcPct val="90000"/>
+            </a:lnSpc>
+            <a:spcBef>
+              <a:spcPct val="0"/>
+            </a:spcBef>
+            <a:spcAft>
+              <a:spcPct val="15000"/>
+            </a:spcAft>
+            <a:buChar char="••"/>
+          </a:pPr>
+          <a:r>
+            <a:rPr lang="en-AU" sz="1600" kern="1200" dirty="0" smtClean="0"/>
+            <a:t>Specified purposes and lifetime</a:t>
+          </a:r>
+          <a:endParaRPr lang="en-AU" sz="1600" kern="1200" dirty="0"/>
+        </a:p>
+        <a:p>
+          <a:pPr marL="171450" lvl="1" indent="-171450" algn="l" defTabSz="711200" rtl="0">
+            <a:lnSpc>
+              <a:spcPct val="90000"/>
+            </a:lnSpc>
+            <a:spcBef>
+              <a:spcPct val="0"/>
+            </a:spcBef>
+            <a:spcAft>
+              <a:spcPct val="15000"/>
+            </a:spcAft>
+            <a:buChar char="••"/>
+          </a:pPr>
+          <a:r>
+            <a:rPr lang="en-AU" sz="1600" kern="1200" dirty="0" smtClean="0"/>
+            <a:t>Stored securely</a:t>
+          </a:r>
+          <a:endParaRPr lang="en-AU" sz="1600" kern="1200" dirty="0"/>
+        </a:p>
+      </dsp:txBody>
+      <dsp:txXfrm>
+        <a:off x="2399482" y="3183603"/>
+        <a:ext cx="2682489" cy="1272410"/>
+      </dsp:txXfrm>
+    </dsp:sp>
+    <dsp:sp modelId="{E11929B7-A4F9-F04C-A0C5-B507C311A2BF}">
+      <dsp:nvSpPr>
+        <dsp:cNvPr id="0" name=""/>
+        <dsp:cNvSpPr/>
+      </dsp:nvSpPr>
+      <dsp:spPr>
+        <a:xfrm>
+          <a:off x="773820" y="1557942"/>
+          <a:ext cx="2820157" cy="1410078"/>
+        </a:xfrm>
+        <a:prstGeom prst="roundRect">
+          <a:avLst/>
+        </a:prstGeom>
+        <a:gradFill rotWithShape="0">
+          <a:gsLst>
+            <a:gs pos="0">
+              <a:schemeClr val="accent2">
+                <a:shade val="80000"/>
+                <a:hueOff val="-381692"/>
+                <a:satOff val="17009"/>
+                <a:lumOff val="23779"/>
+                <a:alphaOff val="0"/>
+                <a:shade val="51000"/>
+                <a:satMod val="130000"/>
+              </a:schemeClr>
+            </a:gs>
+            <a:gs pos="80000">
+              <a:schemeClr val="accent2">
+                <a:shade val="80000"/>
+                <a:hueOff val="-381692"/>
+                <a:satOff val="17009"/>
+                <a:lumOff val="23779"/>
+                <a:alphaOff val="0"/>
+                <a:shade val="93000"/>
+                <a:satMod val="130000"/>
+              </a:schemeClr>
+            </a:gs>
+            <a:gs pos="100000">
+              <a:schemeClr val="accent2">
+                <a:shade val="80000"/>
+                <a:hueOff val="-381692"/>
+                <a:satOff val="17009"/>
+                <a:lumOff val="23779"/>
+                <a:alphaOff val="0"/>
+                <a:shade val="94000"/>
+                <a:satMod val="135000"/>
+              </a:schemeClr>
+            </a:gs>
+          </a:gsLst>
+          <a:lin ang="16200000" scaled="0"/>
+        </a:gradFill>
+        <a:ln>
+          <a:noFill/>
+        </a:ln>
+        <a:effectLst>
+          <a:outerShdw blurRad="40000" dist="23000" dir="5400000" rotWithShape="0">
+            <a:srgbClr val="000000">
+              <a:alpha val="35000"/>
+            </a:srgbClr>
+          </a:outerShdw>
+        </a:effectLst>
+      </dsp:spPr>
+      <dsp:style>
+        <a:lnRef idx="0">
+          <a:scrgbClr r="0" g="0" b="0"/>
+        </a:lnRef>
+        <a:fillRef idx="3">
+          <a:scrgbClr r="0" g="0" b="0"/>
+        </a:fillRef>
+        <a:effectRef idx="2">
+          <a:scrgbClr r="0" g="0" b="0"/>
+        </a:effectRef>
+        <a:fontRef idx="minor">
+          <a:schemeClr val="lt1"/>
+        </a:fontRef>
+      </dsp:style>
+      <dsp:txBody>
+        <a:bodyPr spcFirstLastPara="0" vert="horz" wrap="square" lIns="80010" tIns="80010" rIns="80010" bIns="80010" numCol="1" spcCol="1270" anchor="ctr" anchorCtr="0">
+          <a:noAutofit/>
+        </a:bodyPr>
+        <a:lstStyle/>
+        <a:p>
+          <a:pPr lvl="0" algn="ctr" defTabSz="933450" rtl="0">
+            <a:lnSpc>
+              <a:spcPct val="90000"/>
+            </a:lnSpc>
+            <a:spcBef>
+              <a:spcPct val="0"/>
+            </a:spcBef>
+            <a:spcAft>
+              <a:spcPct val="35000"/>
+            </a:spcAft>
+          </a:pPr>
+          <a:r>
+            <a:rPr lang="en-AU" sz="2100" kern="1200" smtClean="0"/>
+            <a:t>Secure destruction</a:t>
+          </a:r>
+          <a:endParaRPr lang="en-AU" sz="2100" kern="1200"/>
+        </a:p>
+      </dsp:txBody>
+      <dsp:txXfrm>
+        <a:off x="842654" y="1626776"/>
+        <a:ext cx="2682489" cy="1272410"/>
+      </dsp:txXfrm>
+    </dsp:sp>
   </dsp:spTree>
 </dsp:drawing>
 </file>
@@ -3141,7 +3689,7 @@
             <a:fld id="{2BF0F61A-B57C-4AFB-8D08-477A46F9220D}" type="datetimeFigureOut">
               <a:rPr lang="en-AU" smtClean="0"/>
               <a:pPr/>
-              <a:t>5/08/2013</a:t>
+              <a:t>11/08/2013</a:t>
             </a:fld>
             <a:endParaRPr lang="en-AU"/>
           </a:p>
@@ -3309,7 +3857,7 @@
             <a:fld id="{C2013D85-B354-4721-8A38-06F916A7F0E4}" type="datetimeFigureOut">
               <a:rPr lang="en-AU" smtClean="0"/>
               <a:pPr/>
-              <a:t>5/08/2013</a:t>
+              <a:t>11/08/2013</a:t>
             </a:fld>
             <a:endParaRPr lang="en-AU"/>
           </a:p>
@@ -13239,7 +13787,7 @@
             <a:fld id="{A3869E13-5829-4048-B37B-B74792944F17}" type="datetime1">
               <a:rPr lang="en-AU" sz="800" smtClean="0"/>
               <a:pPr algn="l"/>
-              <a:t>5/08/2013</a:t>
+              <a:t>11/08/2013</a:t>
             </a:fld>
             <a:endParaRPr lang="en-AU" sz="800" dirty="0"/>
           </a:p>
@@ -15184,7 +15732,15 @@
           <a:p>
             <a:r>
               <a:rPr lang="en-AU" dirty="0" smtClean="0"/>
-              <a:t>Not possible to derive message from hash</a:t>
+              <a:t>Not </a:t>
+            </a:r>
+            <a:r>
+              <a:rPr lang="en-AU" dirty="0" smtClean="0"/>
+              <a:t>practically possible </a:t>
+            </a:r>
+            <a:r>
+              <a:rPr lang="en-AU" dirty="0" smtClean="0"/>
+              <a:t>to derive message from hash</a:t>
             </a:r>
             <a:r>
               <a:rPr lang="en-AU" dirty="0"/>
@@ -15870,7 +16426,9 @@
         </p:nvSpPr>
         <p:spPr/>
         <p:txBody>
-          <a:bodyPr/>
+          <a:bodyPr>
+            <a:normAutofit/>
+          </a:bodyPr>
           <a:lstStyle/>
           <a:p>
             <a:r>
@@ -15882,8 +16440,17 @@
             <a:pPr lvl="1"/>
             <a:r>
               <a:rPr lang="en-AU" dirty="0" smtClean="0"/>
-              <a:t>256, 384 or 512 bit hashes</a:t>
-            </a:r>
+              <a:t>256</a:t>
+            </a:r>
+            <a:r>
+              <a:rPr lang="en-AU" dirty="0" smtClean="0"/>
+              <a:t>, 384 or 512 bit </a:t>
+            </a:r>
+            <a:r>
+              <a:rPr lang="en-AU" dirty="0" smtClean="0"/>
+              <a:t>hashes for second SHA algorithm</a:t>
+            </a:r>
+            <a:endParaRPr lang="en-AU" dirty="0" smtClean="0"/>
           </a:p>
           <a:p>
             <a:pPr lvl="1"/>
@@ -15893,20 +16460,26 @@
             </a:r>
           </a:p>
           <a:p>
-            <a:pPr lvl="1"/>
-            <a:r>
-              <a:rPr lang="en-AU" dirty="0" smtClean="0"/>
-              <a:t>Not as widely supported</a:t>
-            </a:r>
-          </a:p>
-          <a:p>
             <a:endParaRPr lang="en-AU" dirty="0" smtClean="0"/>
           </a:p>
           <a:p>
             <a:r>
               <a:rPr lang="en-AU" dirty="0" smtClean="0"/>
-              <a:t>SHA-3 competition has started</a:t>
-            </a:r>
+              <a:t>SHA-3 </a:t>
+            </a:r>
+            <a:r>
+              <a:rPr lang="en-AU" dirty="0" smtClean="0"/>
+              <a:t>or “</a:t>
+            </a:r>
+            <a:r>
+              <a:rPr lang="en-AU" dirty="0" err="1" smtClean="0"/>
+              <a:t>Keccak</a:t>
+            </a:r>
+            <a:r>
+              <a:rPr lang="en-AU" dirty="0" smtClean="0"/>
+              <a:t>” finally selected</a:t>
+            </a:r>
+            <a:endParaRPr lang="en-AU" dirty="0" smtClean="0"/>
           </a:p>
           <a:p>
             <a:pPr lvl="1"/>
@@ -16903,7 +17476,15 @@
             </a:pPr>
             <a:r>
               <a:rPr lang="en-AU" dirty="0" smtClean="0"/>
-              <a:t>	A file that stores configuration information for an application that runs as a highly privileged account is saved to the hard drive of a personal computer. The aim is to prevent or detect any changes to the file, including those by local administrators. Assuming the program has exclusive access to a secure key store, which of the following would achieve this? </a:t>
+              <a:t>	A file that stores configuration information for an application that runs as a highly privileged account is saved to the hard drive of a personal computer. The aim is to prevent or detect </a:t>
+            </a:r>
+            <a:r>
+              <a:rPr lang="en-AU" dirty="0" smtClean="0"/>
+              <a:t>file changes, </a:t>
+            </a:r>
+            <a:r>
+              <a:rPr lang="en-AU" dirty="0" smtClean="0"/>
+              <a:t>including those by local administrators. Assuming the program has exclusive access to a secure key store, which of the following would achieve this? </a:t>
             </a:r>
           </a:p>
           <a:p>
@@ -17059,7 +17640,15 @@
             </a:pPr>
             <a:r>
               <a:rPr lang="en-AU" dirty="0" smtClean="0"/>
-              <a:t>	A file that stores configuration information for an application that runs as a highly privileged account is saved to the hard drive of a personal computer. The aim is to prevent or detect any changes to the file, including those by local administrators. Assuming the program has exclusive access to a secure key store, which of the following would achieve this? </a:t>
+              <a:t>	A file that stores configuration information for an application that runs as a highly privileged account is saved to the hard drive of a personal computer. The aim is to prevent or detect </a:t>
+            </a:r>
+            <a:r>
+              <a:rPr lang="en-AU" dirty="0" smtClean="0"/>
+              <a:t>file changes, </a:t>
+            </a:r>
+            <a:r>
+              <a:rPr lang="en-AU" dirty="0" smtClean="0"/>
+              <a:t>including those by local administrators. Assuming the program has exclusive access to a secure key store, which of the following would achieve this? </a:t>
             </a:r>
           </a:p>
           <a:p>
@@ -20145,12 +20734,21 @@
         </p:nvSpPr>
         <p:spPr/>
         <p:txBody>
-          <a:bodyPr/>
+          <a:bodyPr>
+            <a:normAutofit lnSpcReduction="10000"/>
+          </a:bodyPr>
           <a:lstStyle/>
           <a:p>
             <a:r>
               <a:rPr lang="en-AU" dirty="0" smtClean="0"/>
               <a:t>Meet-in-the-middle = ?</a:t>
+            </a:r>
+            <a:br>
+              <a:rPr lang="en-AU" dirty="0" smtClean="0"/>
+            </a:br>
+            <a:r>
+              <a:rPr lang="en-AU" dirty="0" smtClean="0"/>
+              <a:t/>
             </a:r>
             <a:br>
               <a:rPr lang="en-AU" dirty="0" smtClean="0"/>
@@ -20270,13 +20868,20 @@
         </p:nvSpPr>
         <p:spPr/>
         <p:txBody>
-          <a:bodyPr/>
-          <a:lstStyle/>
-          <a:p>
-            <a:r>
-              <a:rPr lang="en-AU" dirty="0" smtClean="0"/>
-              <a:t>Meet-in-the-middle = Attack encryption and decryption simultaneously</a:t>
-            </a:r>
+          <a:bodyPr>
+            <a:normAutofit lnSpcReduction="10000"/>
+          </a:bodyPr>
+          <a:lstStyle/>
+          <a:p>
+            <a:r>
+              <a:rPr lang="en-AU" dirty="0" smtClean="0"/>
+              <a:t>Meet-in-the-middle = Attack encryption and decryption </a:t>
+            </a:r>
+            <a:r>
+              <a:rPr lang="en-AU" dirty="0" smtClean="0"/>
+              <a:t>simultaneously (e.g. TDES)</a:t>
+            </a:r>
+            <a:endParaRPr lang="en-AU" dirty="0" smtClean="0"/>
           </a:p>
           <a:p>
             <a:r>
@@ -21089,9 +21694,28 @@
               <a:t>Secure </a:t>
             </a:r>
             <a:r>
-              <a:rPr lang="en-AU" sz="2100" dirty="0"/>
+              <a:rPr lang="en-AU" sz="2100" dirty="0" smtClean="0"/>
               <a:t>distribution</a:t>
             </a:r>
+          </a:p>
+          <a:p>
+            <a:pPr marL="171450" lvl="1" indent="-171450" defTabSz="711200">
+              <a:lnSpc>
+                <a:spcPct val="90000"/>
+              </a:lnSpc>
+              <a:spcBef>
+                <a:spcPct val="0"/>
+              </a:spcBef>
+              <a:spcAft>
+                <a:spcPct val="15000"/>
+              </a:spcAft>
+              <a:buChar char="••"/>
+            </a:pPr>
+            <a:r>
+              <a:rPr lang="en-AU" sz="1600" dirty="0" smtClean="0"/>
+              <a:t>Trusted channel</a:t>
+            </a:r>
+            <a:endParaRPr lang="en-AU" sz="1600" dirty="0"/>
           </a:p>
         </p:txBody>
       </p:sp>
@@ -21481,9 +22105,10 @@
               <a:buChar char="••"/>
             </a:pPr>
             <a:r>
-              <a:rPr lang="en-AU" sz="1600" dirty="0"/>
-              <a:t>Escrow</a:t>
-            </a:r>
+              <a:rPr lang="en-AU" sz="1600" dirty="0" smtClean="0"/>
+              <a:t>Escrow (e.g. restoring backups)</a:t>
+            </a:r>
+            <a:endParaRPr lang="en-AU" sz="1600" dirty="0"/>
           </a:p>
         </p:txBody>
       </p:sp>
@@ -21753,8 +22378,13 @@
           <a:p>
             <a:r>
               <a:rPr lang="en-AU" dirty="0" smtClean="0"/>
-              <a:t>Need appropriate procedures and security</a:t>
-            </a:r>
+              <a:t>More than just technical details. E.g. who can request new certificates? Wh</a:t>
+            </a:r>
+            <a:r>
+              <a:rPr lang="en-AU" dirty="0" smtClean="0"/>
+              <a:t>o approves a request?</a:t>
+            </a:r>
+            <a:endParaRPr lang="en-AU" dirty="0" smtClean="0"/>
           </a:p>
         </p:txBody>
       </p:sp>
@@ -22484,7 +23114,15 @@
           <a:p>
             <a:r>
               <a:rPr lang="en-AU" dirty="0" smtClean="0"/>
-              <a:t>Legal Concerns</a:t>
+              <a:t>Legal </a:t>
+            </a:r>
+            <a:r>
+              <a:rPr lang="en-AU" smtClean="0"/>
+              <a:t>and Ethical </a:t>
+            </a:r>
+            <a:r>
+              <a:rPr lang="en-AU" dirty="0" smtClean="0"/>
+              <a:t>Concerns</a:t>
             </a:r>
             <a:endParaRPr lang="en-US" dirty="0"/>
           </a:p>
@@ -22503,7 +23141,7 @@
         <p:spPr/>
         <p:txBody>
           <a:bodyPr>
-            <a:normAutofit lnSpcReduction="10000"/>
+            <a:normAutofit fontScale="92500"/>
           </a:bodyPr>
           <a:lstStyle/>
           <a:p>
@@ -22542,8 +23180,13 @@
           <a:p>
             <a:r>
               <a:rPr lang="en-AU" dirty="0" smtClean="0"/>
-              <a:t>Law enforcement key and plaintext access?</a:t>
-            </a:r>
+              <a:t>Law enforcement key and plaintext access</a:t>
+            </a:r>
+            <a:r>
+              <a:rPr lang="en-AU" dirty="0" smtClean="0"/>
+              <a:t>? Visibility and accountability, e.g. PRISM?</a:t>
+            </a:r>
+            <a:endParaRPr lang="en-AU" dirty="0" smtClean="0"/>
           </a:p>
           <a:p>
             <a:r>
@@ -30915,11 +31558,7 @@
             <a:pPr eaLnBrk="1" hangingPunct="1"/>
             <a:r>
               <a:rPr lang="en-AU" dirty="0" smtClean="0"/>
-              <a:t>Mobile Phones (discrete</a:t>
-            </a:r>
-            <a:r>
-              <a:rPr lang="en-AU" dirty="0" smtClean="0"/>
-              <a:t>)</a:t>
+              <a:t>Mobile Phones (discrete)</a:t>
             </a:r>
           </a:p>
           <a:p>
@@ -30947,7 +31586,6 @@
               <a:rPr lang="en-AU" dirty="0" smtClean="0"/>
               <a:t> </a:t>
             </a:r>
-            <a:endParaRPr lang="en-AU" dirty="0" smtClean="0"/>
           </a:p>
         </p:txBody>
       </p:sp>
@@ -35000,7 +35638,7 @@
         <p:spPr>
           <a:xfrm>
             <a:off x="2397510" y="5286388"/>
-            <a:ext cx="2714644" cy="646331"/>
+            <a:ext cx="4190714" cy="923330"/>
           </a:xfrm>
           <a:prstGeom prst="rect">
             <a:avLst/>
@@ -35022,7 +35660,11 @@
             </a:br>
             <a:r>
               <a:rPr lang="en-AU" dirty="0" smtClean="0"/>
-              <a:t>Initialization Vector</a:t>
+              <a:t>Initialization </a:t>
+            </a:r>
+            <a:r>
+              <a:rPr lang="en-AU" dirty="0" smtClean="0"/>
+              <a:t>Vector (technically more correct because IV is one type of salt)</a:t>
             </a:r>
             <a:endParaRPr lang="en-AU" dirty="0"/>
           </a:p>
@@ -35334,7 +35976,15 @@
           <a:p>
             <a:r>
               <a:rPr lang="en-AU" dirty="0" smtClean="0"/>
-              <a:t>XOR Salt with Plaintext</a:t>
+              <a:t>XOR </a:t>
+            </a:r>
+            <a:r>
+              <a:rPr lang="en-AU" dirty="0" smtClean="0"/>
+              <a:t>IV with </a:t>
+            </a:r>
+            <a:r>
+              <a:rPr lang="en-AU" dirty="0" smtClean="0"/>
+              <a:t>Plaintext</a:t>
             </a:r>
             <a:endParaRPr lang="en-AU" dirty="0"/>
           </a:p>
@@ -35360,7 +36010,15 @@
             <a:pPr defTabSz="457200"/>
             <a:r>
               <a:rPr lang="en-AU" dirty="0" smtClean="0"/>
-              <a:t>Use “Exclusive OR” (XOR) to combine salt with data then encrypt, E.g.:</a:t>
+              <a:t>Use “Exclusive OR” (XOR) to combine </a:t>
+            </a:r>
+            <a:r>
+              <a:rPr lang="en-AU" dirty="0" smtClean="0"/>
+              <a:t>IV with </a:t>
+            </a:r>
+            <a:r>
+              <a:rPr lang="en-AU" dirty="0" smtClean="0"/>
+              <a:t>data then encrypt, E.g.:</a:t>
             </a:r>
           </a:p>
           <a:p>
@@ -35374,7 +36032,11 @@
             <a:pPr defTabSz="457200"/>
             <a:r>
               <a:rPr lang="en-AU" dirty="0" smtClean="0"/>
-              <a:t>Salt 	= 123 				= 01111011 (binary)</a:t>
+              <a:t>IV	</a:t>
+            </a:r>
+            <a:r>
+              <a:rPr lang="en-AU" dirty="0" smtClean="0"/>
+              <a:t>	= 123 				= 01111011 (binary)</a:t>
             </a:r>
           </a:p>
           <a:p>
@@ -35616,7 +36278,15 @@
           <a:p>
             <a:r>
               <a:rPr lang="en-AU" dirty="0" smtClean="0"/>
-              <a:t>Block Cipher Modes = Using Salt to avoid ciphertext patterns (and more)</a:t>
+              <a:t>Block Cipher Modes = Using </a:t>
+            </a:r>
+            <a:r>
+              <a:rPr lang="en-AU" dirty="0" smtClean="0"/>
+              <a:t>IV to </a:t>
+            </a:r>
+            <a:r>
+              <a:rPr lang="en-AU" dirty="0" smtClean="0"/>
+              <a:t>avoid ciphertext patterns (and more)</a:t>
             </a:r>
           </a:p>
           <a:p>
@@ -36314,7 +36984,15 @@
             </a:pPr>
             <a:r>
               <a:rPr lang="en-AU" dirty="0" smtClean="0"/>
-              <a:t>Output of one block used as salt for next block</a:t>
+              <a:t>Output of one block used as </a:t>
+            </a:r>
+            <a:r>
+              <a:rPr lang="en-AU" dirty="0" smtClean="0"/>
+              <a:t>IV for </a:t>
+            </a:r>
+            <a:r>
+              <a:rPr lang="en-AU" dirty="0" smtClean="0"/>
+              <a:t>next block</a:t>
             </a:r>
           </a:p>
           <a:p>
@@ -36866,7 +37544,7 @@
         </p:spPr>
         <p:txBody>
           <a:bodyPr>
-            <a:normAutofit fontScale="92500"/>
+            <a:normAutofit lnSpcReduction="10000"/>
           </a:bodyPr>
           <a:lstStyle/>
           <a:p>
@@ -36906,7 +37584,15 @@
             </a:pPr>
             <a:r>
               <a:rPr lang="en-AU" dirty="0" smtClean="0"/>
-              <a:t>Can encrypt the salt before encrypting plaintext</a:t>
+              <a:t>Can encrypt the </a:t>
+            </a:r>
+            <a:r>
+              <a:rPr lang="en-AU" dirty="0" smtClean="0"/>
+              <a:t>IV before </a:t>
+            </a:r>
+            <a:r>
+              <a:rPr lang="en-AU" dirty="0" smtClean="0"/>
+              <a:t>encrypting plaintext</a:t>
             </a:r>
           </a:p>
           <a:p>
@@ -38107,22 +38793,31 @@
         </p:spPr>
         <p:txBody>
           <a:bodyPr>
-            <a:normAutofit fontScale="85000" lnSpcReduction="10000"/>
+            <a:normAutofit fontScale="85000" lnSpcReduction="20000"/>
           </a:bodyPr>
           <a:lstStyle/>
           <a:p>
             <a:r>
               <a:rPr lang="en-AU" dirty="0" smtClean="0"/>
-              <a:t>Salts block “n” with “</a:t>
+              <a:t>IV for block </a:t>
+            </a:r>
+            <a:r>
+              <a:rPr lang="en-AU" dirty="0" smtClean="0"/>
+              <a:t>“n” </a:t>
+            </a:r>
+            <a:r>
+              <a:rPr lang="en-AU" dirty="0" smtClean="0"/>
+              <a:t>is “</a:t>
             </a:r>
             <a:r>
               <a:rPr lang="en-AU" dirty="0" err="1" smtClean="0"/>
-              <a:t>Salt+n</a:t>
-            </a:r>
-            <a:r>
-              <a:rPr lang="en-AU" dirty="0" smtClean="0"/>
-              <a:t>”</a:t>
-            </a:r>
+              <a:t>IV+n</a:t>
+            </a:r>
+            <a:r>
+              <a:rPr lang="en-AU" dirty="0" smtClean="0"/>
+              <a:t>” (addition, not concatenation)</a:t>
+            </a:r>
+            <a:endParaRPr lang="en-AU" dirty="0" smtClean="0"/>
           </a:p>
           <a:p>
             <a:pPr>
@@ -39244,12 +39939,20 @@
           <a:p>
             <a:pPr lvl="1"/>
             <a:r>
+              <a:rPr lang="en-AU" dirty="0" smtClean="0"/>
+              <a:t>Brute </a:t>
+            </a:r>
+            <a:r>
               <a:rPr lang="en-AU" dirty="0" err="1" smtClean="0"/>
-              <a:t>Crackable</a:t>
-            </a:r>
-            <a:r>
-              <a:rPr lang="en-AU" dirty="0" smtClean="0"/>
-              <a:t> in seconds on modern hardware!</a:t>
+              <a:t>forcable</a:t>
+            </a:r>
+            <a:r>
+              <a:rPr lang="en-AU" dirty="0" smtClean="0"/>
+              <a:t> in </a:t>
+            </a:r>
+            <a:r>
+              <a:rPr lang="en-AU" dirty="0" smtClean="0"/>
+              <a:t>seconds on modern hardware!</a:t>
             </a:r>
           </a:p>
         </p:txBody>
@@ -39401,8 +40104,13 @@
             </a:br>
             <a:r>
               <a:rPr lang="en-AU" dirty="0" smtClean="0"/>
-              <a:t>	 </a:t>
-            </a:r>
+              <a:t>	</a:t>
+            </a:r>
+            <a:r>
+              <a:rPr lang="en-AU" dirty="0" smtClean="0"/>
+              <a:t> </a:t>
+            </a:r>
+            <a:endParaRPr lang="en-AU" dirty="0" smtClean="0"/>
           </a:p>
           <a:p>
             <a:pPr marL="914400" lvl="2" indent="0">
@@ -40812,8 +41520,13 @@
             </a:pPr>
             <a:r>
               <a:rPr lang="en-AU" dirty="0" smtClean="0"/>
-              <a:t>	A) DES because it is a well-tested, uncracked algorithm.</a:t>
-            </a:r>
+              <a:t>	A) DES because it is a </a:t>
+            </a:r>
+            <a:r>
+              <a:rPr lang="en-AU" dirty="0" smtClean="0"/>
+              <a:t>well-tested algorithm difficult to brute force on modern hardware.</a:t>
+            </a:r>
+            <a:endParaRPr lang="en-AU" dirty="0" smtClean="0"/>
           </a:p>
           <a:p>
             <a:pPr>
@@ -40968,8 +41681,21 @@
             </a:pPr>
             <a:r>
               <a:rPr lang="en-AU" dirty="0" smtClean="0"/>
-              <a:t>	A) DES because it is a well-tested, uncracked algorithm.</a:t>
-            </a:r>
+              <a:t>	A) DES because it is a </a:t>
+            </a:r>
+            <a:r>
+              <a:rPr lang="en-AU" dirty="0"/>
+              <a:t>well-tested algorithm </a:t>
+            </a:r>
+            <a:r>
+              <a:rPr lang="en-AU" dirty="0" smtClean="0"/>
+              <a:t>difficult </a:t>
+            </a:r>
+            <a:r>
+              <a:rPr lang="en-AU" dirty="0"/>
+              <a:t>to brute force on modern hardware.</a:t>
+            </a:r>
+            <a:endParaRPr lang="en-AU" dirty="0" smtClean="0"/>
           </a:p>
           <a:p>
             <a:pPr>
@@ -47983,7 +48709,27 @@
             </a:pPr>
             <a:r>
               <a:rPr lang="en-AU" sz="2900" dirty="0" smtClean="0"/>
-              <a:t>	Alice is sending a message to Bob. Alice wants to ensure that only Bob can read it and that only she sent it using public key cryptography. Bob performs two decryptions using what keys?</a:t>
+              <a:t>	Alice is sending a message to Bob. </a:t>
+            </a:r>
+            <a:r>
+              <a:rPr lang="en-AU" sz="2900" dirty="0"/>
+              <a:t>Alice wants to use public key cryptography to ensure only Bob can read it and </a:t>
+            </a:r>
+            <a:r>
+              <a:rPr lang="en-AU" sz="2900" dirty="0" smtClean="0"/>
+              <a:t>only </a:t>
+            </a:r>
+            <a:r>
+              <a:rPr lang="en-AU" sz="2900" dirty="0"/>
+              <a:t>she could have sent </a:t>
+            </a:r>
+            <a:r>
+              <a:rPr lang="en-AU" sz="2900" dirty="0" smtClean="0"/>
+              <a:t>it. </a:t>
+            </a:r>
+            <a:r>
+              <a:rPr lang="en-AU" sz="2900" dirty="0" smtClean="0"/>
+              <a:t>Bob performs two decryptions using what keys?</a:t>
             </a:r>
           </a:p>
           <a:p>
@@ -48133,7 +48879,47 @@
             </a:pPr>
             <a:r>
               <a:rPr lang="en-AU" sz="2900" dirty="0" smtClean="0"/>
-              <a:t>	Alice is sending a message to Bob. Alice wants to ensure that only Bob can read it and that only she sent it using public key cryptography. Bob performs two decryptions using what keys?</a:t>
+              <a:t>	Alice is sending a message to Bob. Alice wants to </a:t>
+            </a:r>
+            <a:r>
+              <a:rPr lang="en-AU" sz="2900" dirty="0" smtClean="0"/>
+              <a:t>use </a:t>
+            </a:r>
+            <a:r>
+              <a:rPr lang="en-AU" sz="2900" dirty="0"/>
+              <a:t>public key cryptography </a:t>
+            </a:r>
+            <a:r>
+              <a:rPr lang="en-AU" sz="2900" dirty="0" smtClean="0"/>
+              <a:t>to ensure </a:t>
+            </a:r>
+            <a:r>
+              <a:rPr lang="en-AU" sz="2900" dirty="0" smtClean="0"/>
+              <a:t>only </a:t>
+            </a:r>
+            <a:r>
+              <a:rPr lang="en-AU" sz="2900" dirty="0" smtClean="0"/>
+              <a:t>Bob can read it and </a:t>
+            </a:r>
+            <a:r>
+              <a:rPr lang="en-AU" sz="2900" dirty="0" smtClean="0"/>
+              <a:t>only </a:t>
+            </a:r>
+            <a:r>
+              <a:rPr lang="en-AU" sz="2900" dirty="0" smtClean="0"/>
+              <a:t>she </a:t>
+            </a:r>
+            <a:r>
+              <a:rPr lang="en-AU" sz="2900" dirty="0"/>
+              <a:t>could have sent </a:t>
+            </a:r>
+            <a:r>
+              <a:rPr lang="en-AU" sz="2900" dirty="0" smtClean="0"/>
+              <a:t>it. </a:t>
+            </a:r>
+            <a:r>
+              <a:rPr lang="en-AU" sz="2900" dirty="0" smtClean="0"/>
+              <a:t>Bob performs two decryptions using what keys?</a:t>
             </a:r>
           </a:p>
           <a:p>
@@ -49276,7 +50062,7 @@
         <p:spPr/>
         <p:txBody>
           <a:bodyPr>
-            <a:normAutofit fontScale="92500" lnSpcReduction="20000"/>
+            <a:normAutofit fontScale="85000" lnSpcReduction="10000"/>
           </a:bodyPr>
           <a:lstStyle/>
           <a:p>
@@ -49285,7 +50071,31 @@
             </a:pPr>
             <a:r>
               <a:rPr lang="en-AU" dirty="0" smtClean="0"/>
-              <a:t>	Peter sends a message only encrypted with his private key. Which of the following is true?</a:t>
+              <a:t>	Peter sends a message </a:t>
+            </a:r>
+            <a:r>
+              <a:rPr lang="en-AU" dirty="0" smtClean="0"/>
+              <a:t>encrypted </a:t>
+            </a:r>
+            <a:r>
+              <a:rPr lang="en-AU" dirty="0" smtClean="0"/>
+              <a:t>with his private </a:t>
+            </a:r>
+            <a:r>
+              <a:rPr lang="en-AU" dirty="0"/>
+              <a:t>key </a:t>
+            </a:r>
+            <a:r>
+              <a:rPr lang="en-AU" dirty="0" smtClean="0"/>
+              <a:t>only</a:t>
+            </a:r>
+            <a:r>
+              <a:rPr lang="en-AU" dirty="0"/>
+              <a:t>. </a:t>
+            </a:r>
+            <a:r>
+              <a:rPr lang="en-AU" dirty="0" smtClean="0"/>
+              <a:t>Which of the following is true?</a:t>
             </a:r>
           </a:p>
           <a:p>
@@ -49427,7 +50237,7 @@
         <p:spPr/>
         <p:txBody>
           <a:bodyPr>
-            <a:normAutofit fontScale="92500" lnSpcReduction="20000"/>
+            <a:normAutofit fontScale="85000" lnSpcReduction="10000"/>
           </a:bodyPr>
           <a:lstStyle/>
           <a:p>
@@ -49436,7 +50246,23 @@
             </a:pPr>
             <a:r>
               <a:rPr lang="en-AU" dirty="0" smtClean="0"/>
-              <a:t>	Peter sends a message only encrypted with his private key. Which of the following is true?</a:t>
+              <a:t>	Peter sends a message </a:t>
+            </a:r>
+            <a:r>
+              <a:rPr lang="en-AU" dirty="0" smtClean="0"/>
+              <a:t>encrypted </a:t>
+            </a:r>
+            <a:r>
+              <a:rPr lang="en-AU" dirty="0" smtClean="0"/>
+              <a:t>with his private </a:t>
+            </a:r>
+            <a:r>
+              <a:rPr lang="en-AU" dirty="0" smtClean="0"/>
+              <a:t>key only. </a:t>
+            </a:r>
+            <a:r>
+              <a:rPr lang="en-AU" dirty="0" smtClean="0"/>
+              <a:t>Which of the following is true?</a:t>
             </a:r>
           </a:p>
           <a:p>
